--- a/docs/Informacijski sistem podjetja - matura.pptx
+++ b/docs/Informacijski sistem podjetja - matura.pptx
@@ -203,7 +203,7 @@
           <a:p>
             <a:fld id="{91AA25C3-1AFD-4413-B35C-DDD501A5BB04}" type="datetimeFigureOut">
               <a:rPr lang="en-US" smtClean="0"/>
-              <a:t>4/24/2023</a:t>
+              <a:t>4/25/2023</a:t>
             </a:fld>
             <a:endParaRPr lang="en-US"/>
           </a:p>
@@ -1386,7 +1386,7 @@
           <a:p>
             <a:fld id="{23962FAF-F765-4E76-81EB-00E79AFD2943}" type="datetimeFigureOut">
               <a:rPr lang="en-US" smtClean="0"/>
-              <a:t>4/24/2023</a:t>
+              <a:t>4/25/2023</a:t>
             </a:fld>
             <a:endParaRPr lang="en-US"/>
           </a:p>
@@ -1682,7 +1682,7 @@
           <a:p>
             <a:fld id="{23962FAF-F765-4E76-81EB-00E79AFD2943}" type="datetimeFigureOut">
               <a:rPr lang="en-US" smtClean="0"/>
-              <a:t>4/24/2023</a:t>
+              <a:t>4/25/2023</a:t>
             </a:fld>
             <a:endParaRPr lang="en-US"/>
           </a:p>
@@ -1930,7 +1930,7 @@
           <a:p>
             <a:fld id="{23962FAF-F765-4E76-81EB-00E79AFD2943}" type="datetimeFigureOut">
               <a:rPr lang="en-US" smtClean="0"/>
-              <a:t>4/24/2023</a:t>
+              <a:t>4/25/2023</a:t>
             </a:fld>
             <a:endParaRPr lang="en-US"/>
           </a:p>
@@ -2470,7 +2470,7 @@
           <a:p>
             <a:fld id="{23962FAF-F765-4E76-81EB-00E79AFD2943}" type="datetimeFigureOut">
               <a:rPr lang="en-US" smtClean="0"/>
-              <a:t>4/24/2023</a:t>
+              <a:t>4/25/2023</a:t>
             </a:fld>
             <a:endParaRPr lang="en-US"/>
           </a:p>
@@ -2718,7 +2718,7 @@
           <a:p>
             <a:fld id="{23962FAF-F765-4E76-81EB-00E79AFD2943}" type="datetimeFigureOut">
               <a:rPr lang="en-US" smtClean="0"/>
-              <a:t>4/24/2023</a:t>
+              <a:t>4/25/2023</a:t>
             </a:fld>
             <a:endParaRPr lang="en-US"/>
           </a:p>
@@ -3250,7 +3250,7 @@
           <a:p>
             <a:fld id="{23962FAF-F765-4E76-81EB-00E79AFD2943}" type="datetimeFigureOut">
               <a:rPr lang="en-US" smtClean="0"/>
-              <a:t>4/24/2023</a:t>
+              <a:t>4/25/2023</a:t>
             </a:fld>
             <a:endParaRPr lang="en-US"/>
           </a:p>
@@ -3547,7 +3547,7 @@
           <a:p>
             <a:fld id="{23962FAF-F765-4E76-81EB-00E79AFD2943}" type="datetimeFigureOut">
               <a:rPr lang="en-US" smtClean="0"/>
-              <a:t>4/24/2023</a:t>
+              <a:t>4/25/2023</a:t>
             </a:fld>
             <a:endParaRPr lang="en-US"/>
           </a:p>
@@ -3721,7 +3721,7 @@
           <a:p>
             <a:fld id="{23962FAF-F765-4E76-81EB-00E79AFD2943}" type="datetimeFigureOut">
               <a:rPr lang="en-US" smtClean="0"/>
-              <a:t>4/24/2023</a:t>
+              <a:t>4/25/2023</a:t>
             </a:fld>
             <a:endParaRPr lang="en-US"/>
           </a:p>
@@ -3901,7 +3901,7 @@
           <a:p>
             <a:fld id="{23962FAF-F765-4E76-81EB-00E79AFD2943}" type="datetimeFigureOut">
               <a:rPr lang="en-US" smtClean="0"/>
-              <a:t>4/24/2023</a:t>
+              <a:t>4/25/2023</a:t>
             </a:fld>
             <a:endParaRPr lang="en-US"/>
           </a:p>
@@ -4071,7 +4071,7 @@
           <a:p>
             <a:fld id="{23962FAF-F765-4E76-81EB-00E79AFD2943}" type="datetimeFigureOut">
               <a:rPr lang="en-US" smtClean="0"/>
-              <a:t>4/24/2023</a:t>
+              <a:t>4/25/2023</a:t>
             </a:fld>
             <a:endParaRPr lang="en-US"/>
           </a:p>
@@ -4322,7 +4322,7 @@
           <a:p>
             <a:fld id="{23962FAF-F765-4E76-81EB-00E79AFD2943}" type="datetimeFigureOut">
               <a:rPr lang="en-US" smtClean="0"/>
-              <a:t>4/24/2023</a:t>
+              <a:t>4/25/2023</a:t>
             </a:fld>
             <a:endParaRPr lang="en-US"/>
           </a:p>
@@ -4619,7 +4619,7 @@
           <a:p>
             <a:fld id="{23962FAF-F765-4E76-81EB-00E79AFD2943}" type="datetimeFigureOut">
               <a:rPr lang="en-US" smtClean="0"/>
-              <a:t>4/24/2023</a:t>
+              <a:t>4/25/2023</a:t>
             </a:fld>
             <a:endParaRPr lang="en-US"/>
           </a:p>
@@ -5061,7 +5061,7 @@
           <a:p>
             <a:fld id="{23962FAF-F765-4E76-81EB-00E79AFD2943}" type="datetimeFigureOut">
               <a:rPr lang="en-US" smtClean="0"/>
-              <a:t>4/24/2023</a:t>
+              <a:t>4/25/2023</a:t>
             </a:fld>
             <a:endParaRPr lang="en-US"/>
           </a:p>
@@ -5179,7 +5179,7 @@
           <a:p>
             <a:fld id="{23962FAF-F765-4E76-81EB-00E79AFD2943}" type="datetimeFigureOut">
               <a:rPr lang="en-US" smtClean="0"/>
-              <a:t>4/24/2023</a:t>
+              <a:t>4/25/2023</a:t>
             </a:fld>
             <a:endParaRPr lang="en-US"/>
           </a:p>
@@ -5274,7 +5274,7 @@
           <a:p>
             <a:fld id="{23962FAF-F765-4E76-81EB-00E79AFD2943}" type="datetimeFigureOut">
               <a:rPr lang="en-US" smtClean="0"/>
-              <a:t>4/24/2023</a:t>
+              <a:t>4/25/2023</a:t>
             </a:fld>
             <a:endParaRPr lang="en-US"/>
           </a:p>
@@ -5557,7 +5557,7 @@
           <a:p>
             <a:fld id="{23962FAF-F765-4E76-81EB-00E79AFD2943}" type="datetimeFigureOut">
               <a:rPr lang="en-US" smtClean="0"/>
-              <a:t>4/24/2023</a:t>
+              <a:t>4/25/2023</a:t>
             </a:fld>
             <a:endParaRPr lang="en-US"/>
           </a:p>
@@ -5848,7 +5848,7 @@
           <a:p>
             <a:fld id="{23962FAF-F765-4E76-81EB-00E79AFD2943}" type="datetimeFigureOut">
               <a:rPr lang="en-US" smtClean="0"/>
-              <a:t>4/24/2023</a:t>
+              <a:t>4/25/2023</a:t>
             </a:fld>
             <a:endParaRPr lang="en-US"/>
           </a:p>
@@ -6378,7 +6378,7 @@
           <a:p>
             <a:fld id="{23962FAF-F765-4E76-81EB-00E79AFD2943}" type="datetimeFigureOut">
               <a:rPr lang="en-US" smtClean="0"/>
-              <a:t>4/24/2023</a:t>
+              <a:t>4/25/2023</a:t>
             </a:fld>
             <a:endParaRPr lang="en-US"/>
           </a:p>
@@ -6993,7 +6993,7 @@
         </p:nvSpPr>
         <p:spPr>
           <a:xfrm>
-            <a:off x="1128045" y="5879507"/>
+            <a:off x="938613" y="5474154"/>
             <a:ext cx="10314774" cy="360332"/>
           </a:xfrm>
           <a:prstGeom prst="rect">
@@ -7175,6 +7175,155 @@
               <a:t>april 2023								Erik Radovičevič</a:t>
             </a:r>
             <a:endParaRPr lang="en-US" dirty="0"/>
+          </a:p>
+        </p:txBody>
+      </p:sp>
+      <p:sp>
+        <p:nvSpPr>
+          <p:cNvPr id="4" name="PoljeZBesedilom 3">
+            <a:extLst>
+              <a:ext uri="{FF2B5EF4-FFF2-40B4-BE49-F238E27FC236}">
+                <a16:creationId xmlns:a16="http://schemas.microsoft.com/office/drawing/2014/main" id="{FF672C4A-4B55-AAE5-9456-D05797FAED9C}"/>
+              </a:ext>
+            </a:extLst>
+          </p:cNvPr>
+          <p:cNvSpPr txBox="1"/>
+          <p:nvPr/>
+        </p:nvSpPr>
+        <p:spPr>
+          <a:xfrm>
+            <a:off x="8239027" y="5834486"/>
+            <a:ext cx="3288633" cy="430887"/>
+          </a:xfrm>
+          <a:prstGeom prst="rect">
+            <a:avLst/>
+          </a:prstGeom>
+          <a:noFill/>
+        </p:spPr>
+        <p:txBody>
+          <a:bodyPr wrap="square" rtlCol="0">
+            <a:spAutoFit/>
+          </a:bodyPr>
+          <a:lstStyle/>
+          <a:p>
+            <a:r>
+              <a:rPr lang="sl-SI" sz="2200" dirty="0"/>
+              <a:t>Mentor: dr. Albert Zorko</a:t>
+            </a:r>
+            <a:endParaRPr lang="en-US" sz="2200" dirty="0"/>
+          </a:p>
+        </p:txBody>
+      </p:sp>
+      <p:sp>
+        <p:nvSpPr>
+          <p:cNvPr id="5" name="Naslov 1">
+            <a:extLst>
+              <a:ext uri="{FF2B5EF4-FFF2-40B4-BE49-F238E27FC236}">
+                <a16:creationId xmlns:a16="http://schemas.microsoft.com/office/drawing/2014/main" id="{EA76148A-10A6-A65A-C039-1C0C5638C31B}"/>
+              </a:ext>
+            </a:extLst>
+          </p:cNvPr>
+          <p:cNvSpPr txBox="1">
+            <a:spLocks/>
+          </p:cNvSpPr>
+          <p:nvPr/>
+        </p:nvSpPr>
+        <p:spPr>
+          <a:xfrm>
+            <a:off x="1930924" y="403583"/>
+            <a:ext cx="9511895" cy="1239862"/>
+          </a:xfrm>
+          <a:prstGeom prst="rect">
+            <a:avLst/>
+          </a:prstGeom>
+          <a:effectLst/>
+        </p:spPr>
+        <p:txBody>
+          <a:bodyPr vert="horz" lIns="91440" tIns="45720" rIns="91440" bIns="45720" rtlCol="0" anchor="b">
+            <a:normAutofit/>
+          </a:bodyPr>
+          <a:lstStyle>
+            <a:lvl1pPr algn="r" defTabSz="457200" rtl="0" eaLnBrk="1" latinLnBrk="0" hangingPunct="1">
+              <a:spcBef>
+                <a:spcPct val="0"/>
+              </a:spcBef>
+              <a:buNone/>
+              <a:defRPr sz="6000" kern="1200" cap="none">
+                <a:ln w="3175" cmpd="sng">
+                  <a:noFill/>
+                </a:ln>
+                <a:solidFill>
+                  <a:schemeClr val="tx1"/>
+                </a:solidFill>
+                <a:effectLst/>
+                <a:latin typeface="+mj-lt"/>
+                <a:ea typeface="+mj-ea"/>
+                <a:cs typeface="+mj-cs"/>
+              </a:defRPr>
+            </a:lvl1pPr>
+            <a:lvl2pPr eaLnBrk="1" hangingPunct="1">
+              <a:defRPr>
+                <a:solidFill>
+                  <a:schemeClr val="tx2"/>
+                </a:solidFill>
+              </a:defRPr>
+            </a:lvl2pPr>
+            <a:lvl3pPr eaLnBrk="1" hangingPunct="1">
+              <a:defRPr>
+                <a:solidFill>
+                  <a:schemeClr val="tx2"/>
+                </a:solidFill>
+              </a:defRPr>
+            </a:lvl3pPr>
+            <a:lvl4pPr eaLnBrk="1" hangingPunct="1">
+              <a:defRPr>
+                <a:solidFill>
+                  <a:schemeClr val="tx2"/>
+                </a:solidFill>
+              </a:defRPr>
+            </a:lvl4pPr>
+            <a:lvl5pPr eaLnBrk="1" hangingPunct="1">
+              <a:defRPr>
+                <a:solidFill>
+                  <a:schemeClr val="tx2"/>
+                </a:solidFill>
+              </a:defRPr>
+            </a:lvl5pPr>
+            <a:lvl6pPr eaLnBrk="1" hangingPunct="1">
+              <a:defRPr>
+                <a:solidFill>
+                  <a:schemeClr val="tx2"/>
+                </a:solidFill>
+              </a:defRPr>
+            </a:lvl6pPr>
+            <a:lvl7pPr eaLnBrk="1" hangingPunct="1">
+              <a:defRPr>
+                <a:solidFill>
+                  <a:schemeClr val="tx2"/>
+                </a:solidFill>
+              </a:defRPr>
+            </a:lvl7pPr>
+            <a:lvl8pPr eaLnBrk="1" hangingPunct="1">
+              <a:defRPr>
+                <a:solidFill>
+                  <a:schemeClr val="tx2"/>
+                </a:solidFill>
+              </a:defRPr>
+            </a:lvl8pPr>
+            <a:lvl9pPr eaLnBrk="1" hangingPunct="1">
+              <a:defRPr>
+                <a:solidFill>
+                  <a:schemeClr val="tx2"/>
+                </a:solidFill>
+              </a:defRPr>
+            </a:lvl9pPr>
+          </a:lstStyle>
+          <a:p>
+            <a:r>
+              <a:rPr lang="sl-SI" sz="4500" dirty="0"/>
+              <a:t>Aplikacije in informacijski sistemi:</a:t>
+            </a:r>
+            <a:endParaRPr lang="en-US" sz="4500" dirty="0"/>
           </a:p>
         </p:txBody>
       </p:sp>
@@ -10968,9 +11117,9 @@
                 </p:nvGrpSpPr>
                 <p:grpSpPr>
                   <a:xfrm>
-                    <a:off x="6252335" y="3609975"/>
+                    <a:off x="6170647" y="3390739"/>
                     <a:ext cx="4739515" cy="1218327"/>
-                    <a:chOff x="6252335" y="3609975"/>
+                    <a:chOff x="6170647" y="3390739"/>
                     <a:chExt cx="4739515" cy="1218327"/>
                   </a:xfrm>
                 </p:grpSpPr>
@@ -11002,7 +11151,7 @@
                   </p:blipFill>
                   <p:spPr>
                     <a:xfrm>
-                      <a:off x="9255653" y="3609975"/>
+                      <a:off x="9173965" y="3390739"/>
                       <a:ext cx="1468577" cy="803628"/>
                     </a:xfrm>
                     <a:prstGeom prst="rect">
@@ -11024,7 +11173,7 @@
                   </p:nvSpPr>
                   <p:spPr>
                     <a:xfrm>
-                      <a:off x="9105899" y="4181971"/>
+                      <a:off x="9024211" y="3962735"/>
                       <a:ext cx="1885951" cy="646331"/>
                     </a:xfrm>
                     <a:prstGeom prst="rect">
@@ -11082,7 +11231,7 @@
                   </p:nvCxnSpPr>
                   <p:spPr>
                     <a:xfrm>
-                      <a:off x="7134225" y="4114800"/>
+                      <a:off x="7052537" y="3895564"/>
                       <a:ext cx="2121428" cy="237774"/>
                     </a:xfrm>
                     <a:prstGeom prst="bentConnector3">
@@ -11128,7 +11277,7 @@
                   </p:nvCxnSpPr>
                   <p:spPr>
                     <a:xfrm flipV="1">
-                      <a:off x="6252335" y="4352574"/>
+                      <a:off x="6170647" y="4133338"/>
                       <a:ext cx="3003318" cy="238335"/>
                     </a:xfrm>
                     <a:prstGeom prst="bentConnector3">
@@ -11659,7 +11808,7 @@
           <a:p>
             <a:r>
               <a:rPr lang="sl-SI" dirty="0"/>
-              <a:t>Hvala za pozornost</a:t>
+              <a:t>Hvala za pozornost in zahvala mentorju</a:t>
             </a:r>
             <a:endParaRPr lang="en-US" dirty="0"/>
           </a:p>
